--- a/lectures/Threads.pptx
+++ b/lectures/Threads.pptx
@@ -5,37 +5,36 @@
     <p:sldMasterId id="2147483657" r:id="rId1"/>
   </p:sldMasterIdLst>
   <p:notesMasterIdLst>
-    <p:notesMasterId r:id="rId6"/>
+    <p:notesMasterId r:id="rId5"/>
   </p:notesMasterIdLst>
   <p:sldIdLst>
     <p:sldId id="259" r:id="rId2"/>
     <p:sldId id="261" r:id="rId3"/>
     <p:sldId id="262" r:id="rId4"/>
-    <p:sldId id="263" r:id="rId5"/>
   </p:sldIdLst>
   <p:sldSz cx="9144000" cy="5143500" type="screen16x9"/>
   <p:notesSz cx="6858000" cy="9144000"/>
   <p:embeddedFontLst>
     <p:embeddedFont>
       <p:font typeface="Arvo" panose="020B0604020202020204" charset="0"/>
-      <p:regular r:id="rId7"/>
-      <p:bold r:id="rId8"/>
-      <p:italic r:id="rId9"/>
-      <p:boldItalic r:id="rId10"/>
+      <p:regular r:id="rId6"/>
+      <p:bold r:id="rId7"/>
+      <p:italic r:id="rId8"/>
+      <p:boldItalic r:id="rId9"/>
     </p:embeddedFont>
     <p:embeddedFont>
-      <p:font typeface="Roboto Condensed" panose="02000000000000000000" pitchFamily="2" charset="0"/>
-      <p:regular r:id="rId11"/>
-      <p:bold r:id="rId12"/>
-      <p:italic r:id="rId13"/>
-      <p:boldItalic r:id="rId14"/>
+      <p:font typeface="Roboto Condensed" panose="020B0604020202020204" charset="0"/>
+      <p:regular r:id="rId10"/>
+      <p:bold r:id="rId11"/>
+      <p:italic r:id="rId12"/>
+      <p:boldItalic r:id="rId13"/>
     </p:embeddedFont>
     <p:embeddedFont>
-      <p:font typeface="Roboto Condensed Light" panose="02000000000000000000" pitchFamily="2" charset="0"/>
-      <p:regular r:id="rId15"/>
-      <p:bold r:id="rId16"/>
-      <p:italic r:id="rId17"/>
-      <p:boldItalic r:id="rId18"/>
+      <p:font typeface="Roboto Condensed Light" panose="020B0604020202020204" charset="0"/>
+      <p:regular r:id="rId14"/>
+      <p:bold r:id="rId15"/>
+      <p:italic r:id="rId16"/>
+      <p:boldItalic r:id="rId17"/>
     </p:embeddedFont>
   </p:embeddedFontLst>
   <p:defaultTextStyle>
@@ -822,112 +821,6 @@
     <p:extLst>
       <p:ext uri="{BB962C8B-B14F-4D97-AF65-F5344CB8AC3E}">
         <p14:creationId xmlns:p14="http://schemas.microsoft.com/office/powerpoint/2010/main" val="854490715"/>
-      </p:ext>
-    </p:extLst>
-  </p:cSld>
-  <p:clrMapOvr>
-    <a:masterClrMapping/>
-  </p:clrMapOvr>
-</p:notes>
-</file>
-
-<file path=ppt/notesSlides/notesSlide4.xml><?xml version="1.0" encoding="utf-8"?>
-<p:notes xmlns:a="http://schemas.openxmlformats.org/drawingml/2006/main" xmlns:r="http://schemas.openxmlformats.org/officeDocument/2006/relationships" xmlns:p="http://schemas.openxmlformats.org/presentationml/2006/main" showMasterSp="0" showMasterPhAnim="0">
-  <p:cSld>
-    <p:spTree>
-      <p:nvGrpSpPr>
-        <p:cNvPr id="1" name="Shape 232"/>
-        <p:cNvGrpSpPr/>
-        <p:nvPr/>
-      </p:nvGrpSpPr>
-      <p:grpSpPr>
-        <a:xfrm>
-          <a:off x="0" y="0"/>
-          <a:ext cx="0" cy="0"/>
-          <a:chOff x="0" y="0"/>
-          <a:chExt cx="0" cy="0"/>
-        </a:xfrm>
-      </p:grpSpPr>
-      <p:sp>
-        <p:nvSpPr>
-          <p:cNvPr id="233" name="Shape 233"/>
-          <p:cNvSpPr>
-            <a:spLocks noGrp="1" noRot="1" noChangeAspect="1"/>
-          </p:cNvSpPr>
-          <p:nvPr>
-            <p:ph type="sldImg" idx="2"/>
-          </p:nvPr>
-        </p:nvSpPr>
-        <p:spPr>
-          <a:xfrm>
-            <a:off x="381000" y="685800"/>
-            <a:ext cx="6096000" cy="3429000"/>
-          </a:xfrm>
-          <a:custGeom>
-            <a:avLst/>
-            <a:gdLst/>
-            <a:ahLst/>
-            <a:cxnLst/>
-            <a:rect l="0" t="0" r="0" b="0"/>
-            <a:pathLst>
-              <a:path w="120000" h="120000" extrusionOk="0">
-                <a:moveTo>
-                  <a:pt x="0" y="0"/>
-                </a:moveTo>
-                <a:lnTo>
-                  <a:pt x="120000" y="0"/>
-                </a:lnTo>
-                <a:lnTo>
-                  <a:pt x="120000" y="120000"/>
-                </a:lnTo>
-                <a:lnTo>
-                  <a:pt x="0" y="120000"/>
-                </a:lnTo>
-                <a:close/>
-              </a:path>
-            </a:pathLst>
-          </a:custGeom>
-        </p:spPr>
-      </p:sp>
-      <p:sp>
-        <p:nvSpPr>
-          <p:cNvPr id="234" name="Shape 234"/>
-          <p:cNvSpPr txBox="1">
-            <a:spLocks noGrp="1"/>
-          </p:cNvSpPr>
-          <p:nvPr>
-            <p:ph type="body" idx="1"/>
-          </p:nvPr>
-        </p:nvSpPr>
-        <p:spPr>
-          <a:xfrm>
-            <a:off x="685800" y="4343400"/>
-            <a:ext cx="5486400" cy="4114800"/>
-          </a:xfrm>
-          <a:prstGeom prst="rect">
-            <a:avLst/>
-          </a:prstGeom>
-        </p:spPr>
-        <p:txBody>
-          <a:bodyPr wrap="square" lIns="91425" tIns="91425" rIns="91425" bIns="91425" anchor="t" anchorCtr="0">
-            <a:noAutofit/>
-          </a:bodyPr>
-          <a:lstStyle/>
-          <a:p>
-            <a:pPr lvl="0">
-              <a:spcBef>
-                <a:spcPts val="0"/>
-              </a:spcBef>
-              <a:buNone/>
-            </a:pPr>
-            <a:endParaRPr/>
-          </a:p>
-        </p:txBody>
-      </p:sp>
-    </p:spTree>
-    <p:extLst>
-      <p:ext uri="{BB962C8B-B14F-4D97-AF65-F5344CB8AC3E}">
-        <p14:creationId xmlns:p14="http://schemas.microsoft.com/office/powerpoint/2010/main" val="930032721"/>
       </p:ext>
     </p:extLst>
   </p:cSld>
@@ -3480,11 +3373,7 @@
             </a:pPr>
             <a:r>
               <a:rPr lang="de-DE" dirty="0"/>
-              <a:t>C</a:t>
-            </a:r>
-            <a:r>
-              <a:rPr lang="de-DE"/>
-              <a:t>++ Threadding</a:t>
+              <a:t>C++ Parallel Computing</a:t>
             </a:r>
             <a:endParaRPr lang="en" dirty="0"/>
           </a:p>
@@ -3646,6 +3535,27 @@
               <a:rPr lang="de-DE" dirty="0"/>
               <a:t>Paralleles Arbeiten ist auf dem CPU und der GPU möglich</a:t>
             </a:r>
+          </a:p>
+          <a:p>
+            <a:pPr marL="457200" lvl="0" indent="-381000" rtl="0">
+              <a:spcBef>
+                <a:spcPts val="0"/>
+              </a:spcBef>
+              <a:spcAft>
+                <a:spcPts val="1000"/>
+              </a:spcAft>
+              <a:buSzPct val="100000"/>
+              <a:buFont typeface="Arial" panose="020B0604020202020204" pitchFamily="34" charset="0"/>
+              <a:buChar char="•"/>
+            </a:pPr>
+            <a:r>
+              <a:rPr lang="de-DE" dirty="0"/>
+              <a:t>Hier: CPU Multi-Threading mit </a:t>
+            </a:r>
+            <a:r>
+              <a:rPr lang="de-DE" dirty="0" err="1"/>
+              <a:t>OpenMP</a:t>
+            </a:r>
             <a:endParaRPr lang="en" dirty="0"/>
           </a:p>
         </p:txBody>
@@ -3849,136 +3759,6 @@
     <p:extLst>
       <p:ext uri="{BB962C8B-B14F-4D97-AF65-F5344CB8AC3E}">
         <p14:creationId xmlns:p14="http://schemas.microsoft.com/office/powerpoint/2010/main" val="1061807059"/>
-      </p:ext>
-    </p:extLst>
-  </p:cSld>
-  <p:clrMapOvr>
-    <a:masterClrMapping/>
-  </p:clrMapOvr>
-</p:sld>
-</file>
-
-<file path=ppt/slides/slide4.xml><?xml version="1.0" encoding="utf-8"?>
-<p:sld xmlns:a="http://schemas.openxmlformats.org/drawingml/2006/main" xmlns:r="http://schemas.openxmlformats.org/officeDocument/2006/relationships" xmlns:p="http://schemas.openxmlformats.org/presentationml/2006/main">
-  <p:cSld>
-    <p:spTree>
-      <p:nvGrpSpPr>
-        <p:cNvPr id="1" name="Shape 235"/>
-        <p:cNvGrpSpPr/>
-        <p:nvPr/>
-      </p:nvGrpSpPr>
-      <p:grpSpPr>
-        <a:xfrm>
-          <a:off x="0" y="0"/>
-          <a:ext cx="0" cy="0"/>
-          <a:chOff x="0" y="0"/>
-          <a:chExt cx="0" cy="0"/>
-        </a:xfrm>
-      </p:grpSpPr>
-      <p:sp>
-        <p:nvSpPr>
-          <p:cNvPr id="236" name="Shape 236"/>
-          <p:cNvSpPr txBox="1">
-            <a:spLocks noGrp="1"/>
-          </p:cNvSpPr>
-          <p:nvPr>
-            <p:ph type="title"/>
-          </p:nvPr>
-        </p:nvSpPr>
-        <p:spPr>
-          <a:prstGeom prst="rect">
-            <a:avLst/>
-          </a:prstGeom>
-        </p:spPr>
-        <p:txBody>
-          <a:bodyPr wrap="square" lIns="91425" tIns="91425" rIns="91425" bIns="91425" anchor="ctr" anchorCtr="0">
-            <a:noAutofit/>
-          </a:bodyPr>
-          <a:lstStyle/>
-          <a:p>
-            <a:pPr lvl="0">
-              <a:spcBef>
-                <a:spcPts val="0"/>
-              </a:spcBef>
-              <a:buNone/>
-            </a:pPr>
-            <a:r>
-              <a:rPr lang="de-DE" dirty="0"/>
-              <a:t>C++ Parallel Computing</a:t>
-            </a:r>
-            <a:endParaRPr lang="en" dirty="0"/>
-          </a:p>
-        </p:txBody>
-      </p:sp>
-      <p:sp>
-        <p:nvSpPr>
-          <p:cNvPr id="238" name="Shape 238"/>
-          <p:cNvSpPr txBox="1">
-            <a:spLocks noGrp="1"/>
-          </p:cNvSpPr>
-          <p:nvPr>
-            <p:ph type="sldNum" idx="12"/>
-          </p:nvPr>
-        </p:nvSpPr>
-        <p:spPr>
-          <a:prstGeom prst="rect">
-            <a:avLst/>
-          </a:prstGeom>
-        </p:spPr>
-        <p:txBody>
-          <a:bodyPr wrap="square" lIns="91425" tIns="91425" rIns="91425" bIns="91425" anchor="ctr" anchorCtr="0">
-            <a:noAutofit/>
-          </a:bodyPr>
-          <a:lstStyle/>
-          <a:p>
-            <a:pPr lvl="0">
-              <a:spcBef>
-                <a:spcPts val="0"/>
-              </a:spcBef>
-              <a:buNone/>
-            </a:pPr>
-            <a:fld id="{00000000-1234-1234-1234-123412341234}" type="slidenum">
-              <a:rPr lang="en"/>
-              <a:t>4</a:t>
-            </a:fld>
-            <a:endParaRPr lang="en"/>
-          </a:p>
-        </p:txBody>
-      </p:sp>
-      <p:pic>
-        <p:nvPicPr>
-          <p:cNvPr id="5" name="Grafik 4">
-            <a:extLst>
-              <a:ext uri="{FF2B5EF4-FFF2-40B4-BE49-F238E27FC236}">
-                <a16:creationId xmlns:a16="http://schemas.microsoft.com/office/drawing/2014/main" id="{66C27348-9433-42E4-89FF-87B1DF48B159}"/>
-              </a:ext>
-            </a:extLst>
-          </p:cNvPr>
-          <p:cNvPicPr>
-            <a:picLocks noChangeAspect="1"/>
-          </p:cNvPicPr>
-          <p:nvPr/>
-        </p:nvPicPr>
-        <p:blipFill>
-          <a:blip r:embed="rId3"/>
-          <a:stretch>
-            <a:fillRect/>
-          </a:stretch>
-        </p:blipFill>
-        <p:spPr>
-          <a:xfrm>
-            <a:off x="1084099" y="1451440"/>
-            <a:ext cx="6106184" cy="3105111"/>
-          </a:xfrm>
-          <a:prstGeom prst="rect">
-            <a:avLst/>
-          </a:prstGeom>
-        </p:spPr>
-      </p:pic>
-    </p:spTree>
-    <p:extLst>
-      <p:ext uri="{BB962C8B-B14F-4D97-AF65-F5344CB8AC3E}">
-        <p14:creationId xmlns:p14="http://schemas.microsoft.com/office/powerpoint/2010/main" val="2768672601"/>
       </p:ext>
     </p:extLst>
   </p:cSld>
